--- a/OT.VVAExport/VVASample.pptx
+++ b/OT.VVAExport/VVASample.pptx
@@ -791,7 +791,7 @@
           <a:p>
             <a:fld id="{C764DE79-268F-4C1A-8933-263129D2AF90}" type="datetimeFigureOut">
               <a:rPr lang="en-US" dirty="0"/>
-              <a:t>2/24/2022</a:t>
+              <a:t>3/1/2022</a:t>
             </a:fld>
             <a:endParaRPr lang="en-US" dirty="0"/>
           </a:p>
@@ -959,7 +959,7 @@
           <a:p>
             <a:fld id="{C764DE79-268F-4C1A-8933-263129D2AF90}" type="datetimeFigureOut">
               <a:rPr lang="en-US" dirty="0"/>
-              <a:t>2/24/2022</a:t>
+              <a:t>3/1/2022</a:t>
             </a:fld>
             <a:endParaRPr lang="en-US" dirty="0"/>
           </a:p>
@@ -1137,7 +1137,7 @@
           <a:p>
             <a:fld id="{C764DE79-268F-4C1A-8933-263129D2AF90}" type="datetimeFigureOut">
               <a:rPr lang="en-US" dirty="0"/>
-              <a:t>2/24/2022</a:t>
+              <a:t>3/1/2022</a:t>
             </a:fld>
             <a:endParaRPr lang="en-US" dirty="0"/>
           </a:p>
@@ -1305,7 +1305,7 @@
           <a:p>
             <a:fld id="{C764DE79-268F-4C1A-8933-263129D2AF90}" type="datetimeFigureOut">
               <a:rPr lang="en-US" dirty="0"/>
-              <a:t>2/24/2022</a:t>
+              <a:t>3/1/2022</a:t>
             </a:fld>
             <a:endParaRPr lang="en-US" dirty="0"/>
           </a:p>
@@ -1550,7 +1550,7 @@
           <a:p>
             <a:fld id="{C764DE79-268F-4C1A-8933-263129D2AF90}" type="datetimeFigureOut">
               <a:rPr lang="en-US" dirty="0"/>
-              <a:t>2/24/2022</a:t>
+              <a:t>3/1/2022</a:t>
             </a:fld>
             <a:endParaRPr lang="en-US" dirty="0"/>
           </a:p>
@@ -1779,7 +1779,7 @@
           <a:p>
             <a:fld id="{C764DE79-268F-4C1A-8933-263129D2AF90}" type="datetimeFigureOut">
               <a:rPr lang="en-US" dirty="0"/>
-              <a:t>2/24/2022</a:t>
+              <a:t>3/1/2022</a:t>
             </a:fld>
             <a:endParaRPr lang="en-US" dirty="0"/>
           </a:p>
@@ -2143,7 +2143,7 @@
           <a:p>
             <a:fld id="{C764DE79-268F-4C1A-8933-263129D2AF90}" type="datetimeFigureOut">
               <a:rPr lang="en-US" dirty="0"/>
-              <a:t>2/24/2022</a:t>
+              <a:t>3/1/2022</a:t>
             </a:fld>
             <a:endParaRPr lang="en-US" dirty="0"/>
           </a:p>
@@ -2260,7 +2260,7 @@
           <a:p>
             <a:fld id="{C764DE79-268F-4C1A-8933-263129D2AF90}" type="datetimeFigureOut">
               <a:rPr lang="en-US" dirty="0"/>
-              <a:t>2/24/2022</a:t>
+              <a:t>3/1/2022</a:t>
             </a:fld>
             <a:endParaRPr lang="en-US" dirty="0"/>
           </a:p>
@@ -2355,7 +2355,7 @@
           <a:p>
             <a:fld id="{C764DE79-268F-4C1A-8933-263129D2AF90}" type="datetimeFigureOut">
               <a:rPr lang="en-US" dirty="0"/>
-              <a:t>2/24/2022</a:t>
+              <a:t>3/1/2022</a:t>
             </a:fld>
             <a:endParaRPr lang="en-US" dirty="0"/>
           </a:p>
@@ -2630,7 +2630,7 @@
           <a:p>
             <a:fld id="{C764DE79-268F-4C1A-8933-263129D2AF90}" type="datetimeFigureOut">
               <a:rPr lang="en-US" dirty="0"/>
-              <a:t>2/24/2022</a:t>
+              <a:t>3/1/2022</a:t>
             </a:fld>
             <a:endParaRPr lang="en-US" dirty="0"/>
           </a:p>
@@ -2882,7 +2882,7 @@
           <a:p>
             <a:fld id="{C764DE79-268F-4C1A-8933-263129D2AF90}" type="datetimeFigureOut">
               <a:rPr lang="en-US" dirty="0"/>
-              <a:t>2/24/2022</a:t>
+              <a:t>3/1/2022</a:t>
             </a:fld>
             <a:endParaRPr lang="en-US" dirty="0"/>
           </a:p>
@@ -3093,7 +3093,7 @@
           <a:p>
             <a:fld id="{C764DE79-268F-4C1A-8933-263129D2AF90}" type="datetimeFigureOut">
               <a:rPr lang="en-US" dirty="0"/>
-              <a:t>2/24/2022</a:t>
+              <a:t>3/1/2022</a:t>
             </a:fld>
             <a:endParaRPr lang="en-US" dirty="0"/>
           </a:p>
@@ -3506,326 +3506,356 @@
           <a:chExt cx="0" cy="0"/>
         </a:xfrm>
       </p:grpSpPr>
-      <p:sp>
-        <p:nvSpPr>
-          <p:cNvPr id="4" name="Rectangle 3">
-            <a:extLst>
-              <a:ext uri="{FF2B5EF4-FFF2-40B4-BE49-F238E27FC236}">
-                <a16:creationId xmlns:a16="http://schemas.microsoft.com/office/drawing/2014/main" id="{63C19952-6783-4C90-83E0-33389700A76E}"/>
-              </a:ext>
-            </a:extLst>
-          </p:cNvPr>
-          <p:cNvSpPr/>
+      <p:grpSp>
+        <p:nvGrpSpPr>
+          <p:cNvPr id="3" name="BlockInfo"/>
+          <p:cNvGrpSpPr/>
           <p:nvPr/>
-        </p:nvSpPr>
-        <p:spPr>
+        </p:nvGrpSpPr>
+        <p:grpSpPr>
           <a:xfrm>
             <a:off x="0" y="0"/>
-            <a:ext cx="7772098" cy="389088"/>
+            <a:ext cx="7772098" cy="461665"/>
+            <a:chOff x="0" y="0"/>
+            <a:chExt cx="7772098" cy="461665"/>
           </a:xfrm>
-          <a:prstGeom prst="rect">
-            <a:avLst/>
-          </a:prstGeom>
-          <a:solidFill>
-            <a:schemeClr val="bg1"/>
-          </a:solidFill>
-          <a:ln>
+        </p:grpSpPr>
+        <p:sp>
+          <p:nvSpPr>
+            <p:cNvPr id="4" name="TopWhiteRec">
+              <a:extLst>
+                <a:ext uri="{FF2B5EF4-FFF2-40B4-BE49-F238E27FC236}">
+                  <a16:creationId xmlns:a16="http://schemas.microsoft.com/office/drawing/2014/main" id="{63C19952-6783-4C90-83E0-33389700A76E}"/>
+                </a:ext>
+              </a:extLst>
+            </p:cNvPr>
+            <p:cNvSpPr/>
+            <p:nvPr/>
+          </p:nvSpPr>
+          <p:spPr>
+            <a:xfrm>
+              <a:off x="0" y="0"/>
+              <a:ext cx="7772098" cy="389088"/>
+            </a:xfrm>
+            <a:prstGeom prst="rect">
+              <a:avLst/>
+            </a:prstGeom>
+            <a:solidFill>
+              <a:schemeClr val="bg1"/>
+            </a:solidFill>
+            <a:ln>
+              <a:noFill/>
+            </a:ln>
+          </p:spPr>
+          <p:style>
+            <a:lnRef idx="2">
+              <a:schemeClr val="accent1">
+                <a:shade val="50000"/>
+              </a:schemeClr>
+            </a:lnRef>
+            <a:fillRef idx="1">
+              <a:schemeClr val="accent1"/>
+            </a:fillRef>
+            <a:effectRef idx="0">
+              <a:schemeClr val="accent1"/>
+            </a:effectRef>
+            <a:fontRef idx="minor">
+              <a:schemeClr val="lt1"/>
+            </a:fontRef>
+          </p:style>
+          <p:txBody>
+            <a:bodyPr rot="0" spcFirstLastPara="0" vertOverflow="overflow" horzOverflow="overflow" vert="horz" wrap="square" lIns="91440" tIns="45720" rIns="91440" bIns="45720" numCol="1" spcCol="0" rtlCol="0" fromWordArt="0" anchor="t" anchorCtr="0" forceAA="0" compatLnSpc="1">
+              <a:prstTxWarp prst="textNoShape">
+                <a:avLst/>
+              </a:prstTxWarp>
+              <a:noAutofit/>
+            </a:bodyPr>
+            <a:lstStyle/>
+            <a:p>
+              <a:pPr algn="ctr"/>
+              <a:endParaRPr lang="en-US"/>
+            </a:p>
+          </p:txBody>
+        </p:sp>
+        <p:pic>
+          <p:nvPicPr>
+            <p:cNvPr id="8" name="OTFLogo">
+              <a:extLst>
+                <a:ext uri="{FF2B5EF4-FFF2-40B4-BE49-F238E27FC236}">
+                  <a16:creationId xmlns:a16="http://schemas.microsoft.com/office/drawing/2014/main" id="{BAF11E55-D15D-475E-ACCB-FC75DDC0F4D4}"/>
+                </a:ext>
+              </a:extLst>
+            </p:cNvPr>
+            <p:cNvPicPr>
+              <a:picLocks noChangeAspect="1"/>
+            </p:cNvPicPr>
+            <p:nvPr/>
+          </p:nvPicPr>
+          <p:blipFill>
+            <a:blip r:embed="rId2"/>
+            <a:stretch>
+              <a:fillRect/>
+            </a:stretch>
+          </p:blipFill>
+          <p:spPr>
+            <a:xfrm>
+              <a:off x="3767260" y="50259"/>
+              <a:ext cx="228745" cy="285750"/>
+            </a:xfrm>
+            <a:prstGeom prst="rect">
+              <a:avLst/>
+            </a:prstGeom>
+          </p:spPr>
+        </p:pic>
+        <p:sp>
+          <p:nvSpPr>
+            <p:cNvPr id="9" name="BlockName">
+              <a:extLst>
+                <a:ext uri="{FF2B5EF4-FFF2-40B4-BE49-F238E27FC236}">
+                  <a16:creationId xmlns:a16="http://schemas.microsoft.com/office/drawing/2014/main" id="{36668F03-A98C-48F9-9B2E-CAAF2FF3AC6E}"/>
+                </a:ext>
+              </a:extLst>
+            </p:cNvPr>
+            <p:cNvSpPr txBox="1"/>
+            <p:nvPr/>
+          </p:nvSpPr>
+          <p:spPr>
+            <a:xfrm>
+              <a:off x="4392" y="0"/>
+              <a:ext cx="3759501" cy="461665"/>
+            </a:xfrm>
+            <a:prstGeom prst="rect">
+              <a:avLst/>
+            </a:prstGeom>
             <a:noFill/>
-          </a:ln>
-        </p:spPr>
-        <p:style>
-          <a:lnRef idx="2">
-            <a:schemeClr val="accent1">
-              <a:shade val="50000"/>
-            </a:schemeClr>
-          </a:lnRef>
-          <a:fillRef idx="1">
-            <a:schemeClr val="accent1"/>
-          </a:fillRef>
-          <a:effectRef idx="0">
-            <a:schemeClr val="accent1"/>
-          </a:effectRef>
-          <a:fontRef idx="minor">
-            <a:schemeClr val="lt1"/>
-          </a:fontRef>
-        </p:style>
-        <p:txBody>
-          <a:bodyPr rot="0" spcFirstLastPara="0" vertOverflow="overflow" horzOverflow="overflow" vert="horz" wrap="square" lIns="91440" tIns="45720" rIns="91440" bIns="45720" numCol="1" spcCol="0" rtlCol="0" fromWordArt="0" anchor="t" anchorCtr="0" forceAA="0" compatLnSpc="1">
-            <a:prstTxWarp prst="textNoShape">
+          </p:spPr>
+          <p:txBody>
+            <a:bodyPr rot="0" spcFirstLastPara="0" vertOverflow="overflow" horzOverflow="overflow" vert="horz" wrap="square" lIns="91440" tIns="45720" rIns="91440" bIns="45720" numCol="1" spcCol="0" rtlCol="0" fromWordArt="0" anchor="t" anchorCtr="0" forceAA="0" compatLnSpc="1">
+              <a:prstTxWarp prst="textNoShape">
+                <a:avLst/>
+              </a:prstTxWarp>
+              <a:spAutoFit/>
+            </a:bodyPr>
+            <a:lstStyle/>
+            <a:p>
+              <a:r>
+                <a:rPr lang="en-US" sz="2400" dirty="0">
+                  <a:ea typeface="+mn-lt"/>
+                  <a:cs typeface="+mn-lt"/>
+                </a:rPr>
+                <a:t>Block Name</a:t>
+              </a:r>
+              <a:endParaRPr lang="en-US" sz="2400">
+                <a:cs typeface="Calibri"/>
+              </a:endParaRPr>
+            </a:p>
+          </p:txBody>
+        </p:sp>
+        <p:sp>
+          <p:nvSpPr>
+            <p:cNvPr id="10" name="BlockDuration">
+              <a:extLst>
+                <a:ext uri="{FF2B5EF4-FFF2-40B4-BE49-F238E27FC236}">
+                  <a16:creationId xmlns:a16="http://schemas.microsoft.com/office/drawing/2014/main" id="{2B3F3B5C-4712-4F58-8B0F-22193766B863}"/>
+                </a:ext>
+              </a:extLst>
+            </p:cNvPr>
+            <p:cNvSpPr txBox="1"/>
+            <p:nvPr/>
+          </p:nvSpPr>
+          <p:spPr>
+            <a:xfrm>
+              <a:off x="3996005" y="0"/>
+              <a:ext cx="3772726" cy="461665"/>
+            </a:xfrm>
+            <a:prstGeom prst="rect">
               <a:avLst/>
-            </a:prstTxWarp>
-            <a:noAutofit/>
-          </a:bodyPr>
-          <a:lstStyle/>
-          <a:p>
-            <a:pPr algn="ctr"/>
-            <a:endParaRPr lang="en-US"/>
-          </a:p>
-        </p:txBody>
-      </p:sp>
-      <p:pic>
-        <p:nvPicPr>
-          <p:cNvPr id="8" name="Picture 8">
-            <a:extLst>
-              <a:ext uri="{FF2B5EF4-FFF2-40B4-BE49-F238E27FC236}">
-                <a16:creationId xmlns:a16="http://schemas.microsoft.com/office/drawing/2014/main" id="{BAF11E55-D15D-475E-ACCB-FC75DDC0F4D4}"/>
-              </a:ext>
-            </a:extLst>
-          </p:cNvPr>
-          <p:cNvPicPr>
-            <a:picLocks noChangeAspect="1"/>
-          </p:cNvPicPr>
+            </a:prstGeom>
+            <a:noFill/>
+          </p:spPr>
+          <p:txBody>
+            <a:bodyPr rot="0" spcFirstLastPara="0" vertOverflow="overflow" horzOverflow="overflow" vert="horz" wrap="square" lIns="91440" tIns="45720" rIns="91440" bIns="45720" numCol="1" spcCol="0" rtlCol="0" fromWordArt="0" anchor="t" anchorCtr="0" forceAA="0" compatLnSpc="1">
+              <a:prstTxWarp prst="textNoShape">
+                <a:avLst/>
+              </a:prstTxWarp>
+              <a:spAutoFit/>
+            </a:bodyPr>
+            <a:lstStyle/>
+            <a:p>
+              <a:pPr algn="r"/>
+              <a:r>
+                <a:rPr lang="en-US" sz="2400" dirty="0">
+                  <a:ea typeface="+mn-lt"/>
+                  <a:cs typeface="+mn-lt"/>
+                </a:rPr>
+                <a:t>00:00</a:t>
+              </a:r>
+              <a:endParaRPr lang="en-US" dirty="0"/>
+            </a:p>
+          </p:txBody>
+        </p:sp>
+      </p:grpSp>
+      <p:grpSp>
+        <p:nvGrpSpPr>
+          <p:cNvPr id="2" name="ExerciseVVA"/>
+          <p:cNvGrpSpPr/>
           <p:nvPr/>
-        </p:nvPicPr>
-        <p:blipFill>
-          <a:blip r:embed="rId2"/>
-          <a:stretch>
-            <a:fillRect/>
-          </a:stretch>
-        </p:blipFill>
-        <p:spPr>
+        </p:nvGrpSpPr>
+        <p:grpSpPr>
           <a:xfrm>
-            <a:off x="3767260" y="50259"/>
-            <a:ext cx="228745" cy="285750"/>
+            <a:off x="2955267" y="941175"/>
+            <a:ext cx="1859697" cy="2690614"/>
+            <a:chOff x="2955267" y="941175"/>
+            <a:chExt cx="1859697" cy="2690614"/>
           </a:xfrm>
-          <a:prstGeom prst="rect">
-            <a:avLst/>
-          </a:prstGeom>
-        </p:spPr>
-      </p:pic>
-      <p:sp>
-        <p:nvSpPr>
-          <p:cNvPr id="9" name="TextBox 8">
-            <a:extLst>
-              <a:ext uri="{FF2B5EF4-FFF2-40B4-BE49-F238E27FC236}">
-                <a16:creationId xmlns:a16="http://schemas.microsoft.com/office/drawing/2014/main" id="{36668F03-A98C-48F9-9B2E-CAAF2FF3AC6E}"/>
-              </a:ext>
-            </a:extLst>
-          </p:cNvPr>
-          <p:cNvSpPr txBox="1"/>
-          <p:nvPr/>
-        </p:nvSpPr>
-        <p:spPr>
-          <a:xfrm>
-            <a:off x="4392" y="0"/>
-            <a:ext cx="7760825" cy="461665"/>
-          </a:xfrm>
-          <a:prstGeom prst="rect">
-            <a:avLst/>
-          </a:prstGeom>
-          <a:noFill/>
-        </p:spPr>
-        <p:txBody>
-          <a:bodyPr rot="0" spcFirstLastPara="0" vertOverflow="overflow" horzOverflow="overflow" vert="horz" wrap="square" lIns="91440" tIns="45720" rIns="91440" bIns="45720" numCol="1" spcCol="0" rtlCol="0" fromWordArt="0" anchor="t" anchorCtr="0" forceAA="0" compatLnSpc="1">
-            <a:prstTxWarp prst="textNoShape">
+        </p:grpSpPr>
+        <p:sp>
+          <p:nvSpPr>
+            <p:cNvPr id="14" name="ExerciseRec">
+              <a:extLst>
+                <a:ext uri="{FF2B5EF4-FFF2-40B4-BE49-F238E27FC236}">
+                  <a16:creationId xmlns:a16="http://schemas.microsoft.com/office/drawing/2014/main" id="{E4849660-1ECB-4DF1-9020-621A1B593C2F}"/>
+                </a:ext>
+              </a:extLst>
+            </p:cNvPr>
+            <p:cNvSpPr/>
+            <p:nvPr/>
+          </p:nvSpPr>
+          <p:spPr>
+            <a:xfrm>
+              <a:off x="2959450" y="941965"/>
+              <a:ext cx="1854678" cy="2689824"/>
+            </a:xfrm>
+            <a:prstGeom prst="rect">
               <a:avLst/>
-            </a:prstTxWarp>
-            <a:spAutoFit/>
-          </a:bodyPr>
-          <a:lstStyle/>
-          <a:p>
-            <a:r>
-              <a:rPr lang="en-US" sz="2400" dirty="0">
-                <a:ea typeface="+mn-lt"/>
-                <a:cs typeface="+mn-lt"/>
-              </a:rPr>
-              <a:t>Block Name</a:t>
-            </a:r>
-            <a:endParaRPr lang="en-US" sz="2400">
-              <a:cs typeface="Calibri"/>
-            </a:endParaRPr>
-          </a:p>
-        </p:txBody>
-      </p:sp>
-      <p:sp>
-        <p:nvSpPr>
-          <p:cNvPr id="10" name="TextBox 9">
-            <a:extLst>
-              <a:ext uri="{FF2B5EF4-FFF2-40B4-BE49-F238E27FC236}">
-                <a16:creationId xmlns:a16="http://schemas.microsoft.com/office/drawing/2014/main" id="{2B3F3B5C-4712-4F58-8B0F-22193766B863}"/>
-              </a:ext>
-            </a:extLst>
-          </p:cNvPr>
-          <p:cNvSpPr txBox="1"/>
-          <p:nvPr/>
-        </p:nvSpPr>
-        <p:spPr>
-          <a:xfrm>
-            <a:off x="7906" y="0"/>
-            <a:ext cx="7760825" cy="461665"/>
-          </a:xfrm>
-          <a:prstGeom prst="rect">
-            <a:avLst/>
-          </a:prstGeom>
-          <a:noFill/>
-        </p:spPr>
-        <p:txBody>
-          <a:bodyPr rot="0" spcFirstLastPara="0" vertOverflow="overflow" horzOverflow="overflow" vert="horz" wrap="square" lIns="91440" tIns="45720" rIns="91440" bIns="45720" numCol="1" spcCol="0" rtlCol="0" fromWordArt="0" anchor="t" anchorCtr="0" forceAA="0" compatLnSpc="1">
-            <a:prstTxWarp prst="textNoShape">
+            </a:prstGeom>
+            <a:solidFill>
+              <a:schemeClr val="bg1"/>
+            </a:solidFill>
+            <a:ln>
+              <a:noFill/>
+            </a:ln>
+          </p:spPr>
+          <p:style>
+            <a:lnRef idx="2">
+              <a:schemeClr val="accent1">
+                <a:shade val="50000"/>
+              </a:schemeClr>
+            </a:lnRef>
+            <a:fillRef idx="1">
+              <a:schemeClr val="accent1"/>
+            </a:fillRef>
+            <a:effectRef idx="0">
+              <a:schemeClr val="accent1"/>
+            </a:effectRef>
+            <a:fontRef idx="minor">
+              <a:schemeClr val="lt1"/>
+            </a:fontRef>
+          </p:style>
+          <p:txBody>
+            <a:bodyPr rtlCol="0" anchor="ctr"/>
+            <a:lstStyle/>
+            <a:p>
+              <a:pPr algn="ctr"/>
+              <a:endParaRPr lang="en-US"/>
+            </a:p>
+          </p:txBody>
+        </p:sp>
+        <p:sp>
+          <p:nvSpPr>
+            <p:cNvPr id="15" name="ExerciseName">
+              <a:extLst>
+                <a:ext uri="{FF2B5EF4-FFF2-40B4-BE49-F238E27FC236}">
+                  <a16:creationId xmlns:a16="http://schemas.microsoft.com/office/drawing/2014/main" id="{DCB65578-90BF-4A72-B76C-3AA7F2B5BC47}"/>
+                </a:ext>
+              </a:extLst>
+            </p:cNvPr>
+            <p:cNvSpPr txBox="1"/>
+            <p:nvPr/>
+          </p:nvSpPr>
+          <p:spPr>
+            <a:xfrm>
+              <a:off x="2957227" y="941175"/>
+              <a:ext cx="1857737" cy="369332"/>
+            </a:xfrm>
+            <a:prstGeom prst="rect">
               <a:avLst/>
-            </a:prstTxWarp>
-            <a:spAutoFit/>
-          </a:bodyPr>
-          <a:lstStyle/>
-          <a:p>
-            <a:pPr algn="r"/>
-            <a:r>
-              <a:rPr lang="en-US" sz="2400" dirty="0">
-                <a:ea typeface="+mn-lt"/>
-                <a:cs typeface="+mn-lt"/>
-              </a:rPr>
-              <a:t>00:00</a:t>
-            </a:r>
-            <a:endParaRPr lang="en-US" dirty="0"/>
-          </a:p>
-        </p:txBody>
-      </p:sp>
-      <p:sp>
-        <p:nvSpPr>
-          <p:cNvPr id="14" name="Rectangle 13">
-            <a:extLst>
-              <a:ext uri="{FF2B5EF4-FFF2-40B4-BE49-F238E27FC236}">
-                <a16:creationId xmlns:a16="http://schemas.microsoft.com/office/drawing/2014/main" id="{E4849660-1ECB-4DF1-9020-621A1B593C2F}"/>
-              </a:ext>
-            </a:extLst>
-          </p:cNvPr>
-          <p:cNvSpPr/>
-          <p:nvPr/>
-        </p:nvSpPr>
-        <p:spPr>
-          <a:xfrm>
-            <a:off x="2959450" y="941965"/>
-            <a:ext cx="1854678" cy="2689824"/>
-          </a:xfrm>
-          <a:prstGeom prst="rect">
-            <a:avLst/>
-          </a:prstGeom>
-          <a:solidFill>
-            <a:schemeClr val="bg1"/>
-          </a:solidFill>
-          <a:ln>
+            </a:prstGeom>
             <a:noFill/>
-          </a:ln>
-        </p:spPr>
-        <p:style>
-          <a:lnRef idx="2">
-            <a:schemeClr val="accent1">
-              <a:shade val="50000"/>
-            </a:schemeClr>
-          </a:lnRef>
-          <a:fillRef idx="1">
-            <a:schemeClr val="accent1"/>
-          </a:fillRef>
-          <a:effectRef idx="0">
-            <a:schemeClr val="accent1"/>
-          </a:effectRef>
-          <a:fontRef idx="minor">
-            <a:schemeClr val="lt1"/>
-          </a:fontRef>
-        </p:style>
-        <p:txBody>
-          <a:bodyPr rtlCol="0" anchor="ctr"/>
-          <a:lstStyle/>
-          <a:p>
-            <a:pPr algn="ctr"/>
-            <a:endParaRPr lang="en-US"/>
-          </a:p>
-        </p:txBody>
-      </p:sp>
-      <p:sp>
-        <p:nvSpPr>
-          <p:cNvPr id="15" name="TextBox 14">
-            <a:extLst>
-              <a:ext uri="{FF2B5EF4-FFF2-40B4-BE49-F238E27FC236}">
-                <a16:creationId xmlns:a16="http://schemas.microsoft.com/office/drawing/2014/main" id="{DCB65578-90BF-4A72-B76C-3AA7F2B5BC47}"/>
-              </a:ext>
-            </a:extLst>
-          </p:cNvPr>
-          <p:cNvSpPr txBox="1"/>
-          <p:nvPr/>
-        </p:nvSpPr>
-        <p:spPr>
-          <a:xfrm>
-            <a:off x="2957227" y="941175"/>
-            <a:ext cx="1857737" cy="369332"/>
-          </a:xfrm>
-          <a:prstGeom prst="rect">
-            <a:avLst/>
-          </a:prstGeom>
-          <a:noFill/>
-        </p:spPr>
-        <p:txBody>
-          <a:bodyPr rot="0" spcFirstLastPara="0" vertOverflow="overflow" horzOverflow="overflow" vert="horz" wrap="square" lIns="91440" tIns="45720" rIns="91440" bIns="45720" numCol="1" spcCol="0" rtlCol="0" fromWordArt="0" anchor="t" anchorCtr="0" forceAA="0" compatLnSpc="1">
-            <a:prstTxWarp prst="textNoShape">
+          </p:spPr>
+          <p:txBody>
+            <a:bodyPr rot="0" spcFirstLastPara="0" vertOverflow="overflow" horzOverflow="overflow" vert="horz" wrap="square" lIns="91440" tIns="45720" rIns="91440" bIns="45720" numCol="1" spcCol="0" rtlCol="0" fromWordArt="0" anchor="t" anchorCtr="0" forceAA="0" compatLnSpc="1">
+              <a:prstTxWarp prst="textNoShape">
+                <a:avLst/>
+              </a:prstTxWarp>
+              <a:spAutoFit/>
+            </a:bodyPr>
+            <a:lstStyle/>
+            <a:p>
+              <a:pPr algn="ctr"/>
+              <a:r>
+                <a:rPr lang="en-US" dirty="0">
+                  <a:ea typeface="+mn-lt"/>
+                  <a:cs typeface="+mn-lt"/>
+                </a:rPr>
+                <a:t>Exercise Name</a:t>
+              </a:r>
+              <a:endParaRPr lang="en-US" dirty="0"/>
+            </a:p>
+          </p:txBody>
+        </p:sp>
+        <p:sp>
+          <p:nvSpPr>
+            <p:cNvPr id="16" name="ExercisePrescription">
+              <a:extLst>
+                <a:ext uri="{FF2B5EF4-FFF2-40B4-BE49-F238E27FC236}">
+                  <a16:creationId xmlns:a16="http://schemas.microsoft.com/office/drawing/2014/main" id="{82570C7D-FA8B-47E2-B1F7-9F219F94AC2D}"/>
+                </a:ext>
+              </a:extLst>
+            </p:cNvPr>
+            <p:cNvSpPr txBox="1"/>
+            <p:nvPr/>
+          </p:nvSpPr>
+          <p:spPr>
+            <a:xfrm>
+              <a:off x="2955267" y="3258778"/>
+              <a:ext cx="1857737" cy="369332"/>
+            </a:xfrm>
+            <a:prstGeom prst="rect">
               <a:avLst/>
-            </a:prstTxWarp>
-            <a:spAutoFit/>
-          </a:bodyPr>
-          <a:lstStyle/>
-          <a:p>
-            <a:pPr algn="ctr"/>
-            <a:r>
-              <a:rPr lang="en-US" dirty="0">
-                <a:ea typeface="+mn-lt"/>
-                <a:cs typeface="+mn-lt"/>
-              </a:rPr>
-              <a:t>Exercise Name</a:t>
-            </a:r>
-            <a:endParaRPr lang="en-US" dirty="0"/>
-          </a:p>
-        </p:txBody>
-      </p:sp>
-      <p:sp>
-        <p:nvSpPr>
-          <p:cNvPr id="16" name="TextBox 15">
-            <a:extLst>
-              <a:ext uri="{FF2B5EF4-FFF2-40B4-BE49-F238E27FC236}">
-                <a16:creationId xmlns:a16="http://schemas.microsoft.com/office/drawing/2014/main" id="{82570C7D-FA8B-47E2-B1F7-9F219F94AC2D}"/>
-              </a:ext>
-            </a:extLst>
-          </p:cNvPr>
-          <p:cNvSpPr txBox="1"/>
-          <p:nvPr/>
-        </p:nvSpPr>
-        <p:spPr>
-          <a:xfrm>
-            <a:off x="2955267" y="3258778"/>
-            <a:ext cx="1857737" cy="369332"/>
-          </a:xfrm>
-          <a:prstGeom prst="rect">
-            <a:avLst/>
-          </a:prstGeom>
-          <a:noFill/>
-        </p:spPr>
-        <p:txBody>
-          <a:bodyPr rot="0" spcFirstLastPara="0" vertOverflow="overflow" horzOverflow="overflow" vert="horz" wrap="square" lIns="91440" tIns="45720" rIns="91440" bIns="45720" numCol="1" spcCol="0" rtlCol="0" fromWordArt="0" anchor="t" anchorCtr="0" forceAA="0" compatLnSpc="1">
-            <a:prstTxWarp prst="textNoShape">
-              <a:avLst/>
-            </a:prstTxWarp>
-            <a:spAutoFit/>
-          </a:bodyPr>
-          <a:lstStyle/>
-          <a:p>
-            <a:pPr algn="ctr"/>
-            <a:r>
-              <a:rPr lang="en-US" i="1" dirty="0">
+            </a:prstGeom>
+            <a:noFill/>
+          </p:spPr>
+          <p:txBody>
+            <a:bodyPr rot="0" spcFirstLastPara="0" vertOverflow="overflow" horzOverflow="overflow" vert="horz" wrap="square" lIns="91440" tIns="45720" rIns="91440" bIns="45720" numCol="1" spcCol="0" rtlCol="0" fromWordArt="0" anchor="t" anchorCtr="0" forceAA="0" compatLnSpc="1">
+              <a:prstTxWarp prst="textNoShape">
+                <a:avLst/>
+              </a:prstTxWarp>
+              <a:spAutoFit/>
+            </a:bodyPr>
+            <a:lstStyle/>
+            <a:p>
+              <a:pPr algn="ctr"/>
+              <a:r>
+                <a:rPr lang="en-US" i="1" dirty="0">
+                  <a:solidFill>
+                    <a:srgbClr val="ED7D31"/>
+                  </a:solidFill>
+                  <a:ea typeface="+mn-lt"/>
+                  <a:cs typeface="+mn-lt"/>
+                </a:rPr>
+                <a:t>300m JUST ONCE</a:t>
+              </a:r>
+              <a:endParaRPr lang="en-US" i="1">
                 <a:solidFill>
                   <a:srgbClr val="ED7D31"/>
                 </a:solidFill>
-                <a:ea typeface="+mn-lt"/>
-                <a:cs typeface="+mn-lt"/>
-              </a:rPr>
-              <a:t>300m JUST ONCE</a:t>
-            </a:r>
-            <a:endParaRPr lang="en-US" i="1">
-              <a:solidFill>
-                <a:srgbClr val="ED7D31"/>
-              </a:solidFill>
-              <a:cs typeface="Calibri"/>
-            </a:endParaRPr>
-          </a:p>
-        </p:txBody>
-      </p:sp>
+                <a:cs typeface="Calibri"/>
+              </a:endParaRPr>
+            </a:p>
+          </p:txBody>
+        </p:sp>
+      </p:grpSp>
     </p:spTree>
     <p:extLst>
       <p:ext uri="{BB962C8B-B14F-4D97-AF65-F5344CB8AC3E}">

--- a/OT.VVAExport/VVASample.pptx
+++ b/OT.VVAExport/VVASample.pptx
@@ -791,7 +791,7 @@
           <a:p>
             <a:fld id="{C764DE79-268F-4C1A-8933-263129D2AF90}" type="datetimeFigureOut">
               <a:rPr lang="en-US" dirty="0"/>
-              <a:t>3/1/2022</a:t>
+              <a:t>3/7/2022</a:t>
             </a:fld>
             <a:endParaRPr lang="en-US" dirty="0"/>
           </a:p>
@@ -959,7 +959,7 @@
           <a:p>
             <a:fld id="{C764DE79-268F-4C1A-8933-263129D2AF90}" type="datetimeFigureOut">
               <a:rPr lang="en-US" dirty="0"/>
-              <a:t>3/1/2022</a:t>
+              <a:t>3/7/2022</a:t>
             </a:fld>
             <a:endParaRPr lang="en-US" dirty="0"/>
           </a:p>
@@ -1137,7 +1137,7 @@
           <a:p>
             <a:fld id="{C764DE79-268F-4C1A-8933-263129D2AF90}" type="datetimeFigureOut">
               <a:rPr lang="en-US" dirty="0"/>
-              <a:t>3/1/2022</a:t>
+              <a:t>3/7/2022</a:t>
             </a:fld>
             <a:endParaRPr lang="en-US" dirty="0"/>
           </a:p>
@@ -1305,7 +1305,7 @@
           <a:p>
             <a:fld id="{C764DE79-268F-4C1A-8933-263129D2AF90}" type="datetimeFigureOut">
               <a:rPr lang="en-US" dirty="0"/>
-              <a:t>3/1/2022</a:t>
+              <a:t>3/7/2022</a:t>
             </a:fld>
             <a:endParaRPr lang="en-US" dirty="0"/>
           </a:p>
@@ -1550,7 +1550,7 @@
           <a:p>
             <a:fld id="{C764DE79-268F-4C1A-8933-263129D2AF90}" type="datetimeFigureOut">
               <a:rPr lang="en-US" dirty="0"/>
-              <a:t>3/1/2022</a:t>
+              <a:t>3/7/2022</a:t>
             </a:fld>
             <a:endParaRPr lang="en-US" dirty="0"/>
           </a:p>
@@ -1779,7 +1779,7 @@
           <a:p>
             <a:fld id="{C764DE79-268F-4C1A-8933-263129D2AF90}" type="datetimeFigureOut">
               <a:rPr lang="en-US" dirty="0"/>
-              <a:t>3/1/2022</a:t>
+              <a:t>3/7/2022</a:t>
             </a:fld>
             <a:endParaRPr lang="en-US" dirty="0"/>
           </a:p>
@@ -2143,7 +2143,7 @@
           <a:p>
             <a:fld id="{C764DE79-268F-4C1A-8933-263129D2AF90}" type="datetimeFigureOut">
               <a:rPr lang="en-US" dirty="0"/>
-              <a:t>3/1/2022</a:t>
+              <a:t>3/7/2022</a:t>
             </a:fld>
             <a:endParaRPr lang="en-US" dirty="0"/>
           </a:p>
@@ -2260,7 +2260,7 @@
           <a:p>
             <a:fld id="{C764DE79-268F-4C1A-8933-263129D2AF90}" type="datetimeFigureOut">
               <a:rPr lang="en-US" dirty="0"/>
-              <a:t>3/1/2022</a:t>
+              <a:t>3/7/2022</a:t>
             </a:fld>
             <a:endParaRPr lang="en-US" dirty="0"/>
           </a:p>
@@ -2355,7 +2355,7 @@
           <a:p>
             <a:fld id="{C764DE79-268F-4C1A-8933-263129D2AF90}" type="datetimeFigureOut">
               <a:rPr lang="en-US" dirty="0"/>
-              <a:t>3/1/2022</a:t>
+              <a:t>3/7/2022</a:t>
             </a:fld>
             <a:endParaRPr lang="en-US" dirty="0"/>
           </a:p>
@@ -2630,7 +2630,7 @@
           <a:p>
             <a:fld id="{C764DE79-268F-4C1A-8933-263129D2AF90}" type="datetimeFigureOut">
               <a:rPr lang="en-US" dirty="0"/>
-              <a:t>3/1/2022</a:t>
+              <a:t>3/7/2022</a:t>
             </a:fld>
             <a:endParaRPr lang="en-US" dirty="0"/>
           </a:p>
@@ -2882,7 +2882,7 @@
           <a:p>
             <a:fld id="{C764DE79-268F-4C1A-8933-263129D2AF90}" type="datetimeFigureOut">
               <a:rPr lang="en-US" dirty="0"/>
-              <a:t>3/1/2022</a:t>
+              <a:t>3/7/2022</a:t>
             </a:fld>
             <a:endParaRPr lang="en-US" dirty="0"/>
           </a:p>
@@ -3093,7 +3093,7 @@
           <a:p>
             <a:fld id="{C764DE79-268F-4C1A-8933-263129D2AF90}" type="datetimeFigureOut">
               <a:rPr lang="en-US" dirty="0"/>
-              <a:t>3/1/2022</a:t>
+              <a:t>3/7/2022</a:t>
             </a:fld>
             <a:endParaRPr lang="en-US" dirty="0"/>
           </a:p>
@@ -3506,356 +3506,76 @@
           <a:chExt cx="0" cy="0"/>
         </a:xfrm>
       </p:grpSpPr>
-      <p:grpSp>
-        <p:nvGrpSpPr>
-          <p:cNvPr id="3" name="BlockInfo"/>
-          <p:cNvGrpSpPr/>
-          <p:nvPr/>
-        </p:nvGrpSpPr>
-        <p:grpSpPr>
+      <p:pic>
+        <p:nvPicPr>
+          <p:cNvPr id="2" name="63_AB_Dolly_Pike_to_a_Knee_Tuck-03020-08410-07727-00397">
+            <a:hlinkClick r:id="" action="ppaction://media"/>
+          </p:cNvPr>
+          <p:cNvPicPr>
+            <a:picLocks noChangeAspect="1"/>
+          </p:cNvPicPr>
+          <p:nvPr>
+            <a:videoFile r:link="rId1"/>
+            <p:extLst>
+              <p:ext uri="{DAA4B4D4-6D71-4841-9C94-3DE7FCFB9230}">
+                <p14:media xmlns:p14="http://schemas.microsoft.com/office/powerpoint/2010/main" r:embed="rId2">
+                  <p14:trim end="15000"/>
+                </p14:media>
+              </p:ext>
+            </p:extLst>
+          </p:nvPr>
+        </p:nvPicPr>
+        <p:blipFill>
+          <a:blip r:embed="rId4"/>
+          <a:stretch>
+            <a:fillRect/>
+          </a:stretch>
+        </p:blipFill>
+        <p:spPr>
           <a:xfrm>
-            <a:off x="0" y="0"/>
-            <a:ext cx="7772098" cy="461665"/>
-            <a:chOff x="0" y="0"/>
-            <a:chExt cx="7772098" cy="461665"/>
+            <a:off x="74330" y="482445"/>
+            <a:ext cx="1705384" cy="1705384"/>
           </a:xfrm>
-        </p:grpSpPr>
-        <p:sp>
-          <p:nvSpPr>
-            <p:cNvPr id="4" name="TopWhiteRec">
-              <a:extLst>
-                <a:ext uri="{FF2B5EF4-FFF2-40B4-BE49-F238E27FC236}">
-                  <a16:creationId xmlns:a16="http://schemas.microsoft.com/office/drawing/2014/main" id="{63C19952-6783-4C90-83E0-33389700A76E}"/>
-                </a:ext>
-              </a:extLst>
-            </p:cNvPr>
-            <p:cNvSpPr/>
-            <p:nvPr/>
-          </p:nvSpPr>
-          <p:spPr>
-            <a:xfrm>
-              <a:off x="0" y="0"/>
-              <a:ext cx="7772098" cy="389088"/>
-            </a:xfrm>
-            <a:prstGeom prst="rect">
-              <a:avLst/>
-            </a:prstGeom>
-            <a:solidFill>
-              <a:schemeClr val="bg1"/>
-            </a:solidFill>
-            <a:ln>
-              <a:noFill/>
-            </a:ln>
-          </p:spPr>
-          <p:style>
-            <a:lnRef idx="2">
-              <a:schemeClr val="accent1">
-                <a:shade val="50000"/>
-              </a:schemeClr>
-            </a:lnRef>
-            <a:fillRef idx="1">
-              <a:schemeClr val="accent1"/>
-            </a:fillRef>
-            <a:effectRef idx="0">
-              <a:schemeClr val="accent1"/>
-            </a:effectRef>
-            <a:fontRef idx="minor">
-              <a:schemeClr val="lt1"/>
-            </a:fontRef>
-          </p:style>
-          <p:txBody>
-            <a:bodyPr rot="0" spcFirstLastPara="0" vertOverflow="overflow" horzOverflow="overflow" vert="horz" wrap="square" lIns="91440" tIns="45720" rIns="91440" bIns="45720" numCol="1" spcCol="0" rtlCol="0" fromWordArt="0" anchor="t" anchorCtr="0" forceAA="0" compatLnSpc="1">
-              <a:prstTxWarp prst="textNoShape">
-                <a:avLst/>
-              </a:prstTxWarp>
-              <a:noAutofit/>
-            </a:bodyPr>
-            <a:lstStyle/>
-            <a:p>
-              <a:pPr algn="ctr"/>
-              <a:endParaRPr lang="en-US"/>
-            </a:p>
-          </p:txBody>
-        </p:sp>
-        <p:pic>
-          <p:nvPicPr>
-            <p:cNvPr id="8" name="OTFLogo">
-              <a:extLst>
-                <a:ext uri="{FF2B5EF4-FFF2-40B4-BE49-F238E27FC236}">
-                  <a16:creationId xmlns:a16="http://schemas.microsoft.com/office/drawing/2014/main" id="{BAF11E55-D15D-475E-ACCB-FC75DDC0F4D4}"/>
-                </a:ext>
-              </a:extLst>
-            </p:cNvPr>
-            <p:cNvPicPr>
-              <a:picLocks noChangeAspect="1"/>
-            </p:cNvPicPr>
-            <p:nvPr/>
-          </p:nvPicPr>
-          <p:blipFill>
-            <a:blip r:embed="rId2"/>
-            <a:stretch>
-              <a:fillRect/>
-            </a:stretch>
-          </p:blipFill>
-          <p:spPr>
-            <a:xfrm>
-              <a:off x="3767260" y="50259"/>
-              <a:ext cx="228745" cy="285750"/>
-            </a:xfrm>
-            <a:prstGeom prst="rect">
-              <a:avLst/>
-            </a:prstGeom>
-          </p:spPr>
-        </p:pic>
-        <p:sp>
-          <p:nvSpPr>
-            <p:cNvPr id="9" name="BlockName">
-              <a:extLst>
-                <a:ext uri="{FF2B5EF4-FFF2-40B4-BE49-F238E27FC236}">
-                  <a16:creationId xmlns:a16="http://schemas.microsoft.com/office/drawing/2014/main" id="{36668F03-A98C-48F9-9B2E-CAAF2FF3AC6E}"/>
-                </a:ext>
-              </a:extLst>
-            </p:cNvPr>
-            <p:cNvSpPr txBox="1"/>
-            <p:nvPr/>
-          </p:nvSpPr>
-          <p:spPr>
-            <a:xfrm>
-              <a:off x="4392" y="0"/>
-              <a:ext cx="3759501" cy="461665"/>
-            </a:xfrm>
-            <a:prstGeom prst="rect">
-              <a:avLst/>
-            </a:prstGeom>
-            <a:noFill/>
-          </p:spPr>
-          <p:txBody>
-            <a:bodyPr rot="0" spcFirstLastPara="0" vertOverflow="overflow" horzOverflow="overflow" vert="horz" wrap="square" lIns="91440" tIns="45720" rIns="91440" bIns="45720" numCol="1" spcCol="0" rtlCol="0" fromWordArt="0" anchor="t" anchorCtr="0" forceAA="0" compatLnSpc="1">
-              <a:prstTxWarp prst="textNoShape">
-                <a:avLst/>
-              </a:prstTxWarp>
-              <a:spAutoFit/>
-            </a:bodyPr>
-            <a:lstStyle/>
-            <a:p>
-              <a:r>
-                <a:rPr lang="en-US" sz="2400" dirty="0">
-                  <a:ea typeface="+mn-lt"/>
-                  <a:cs typeface="+mn-lt"/>
-                </a:rPr>
-                <a:t>Block Name</a:t>
-              </a:r>
-              <a:endParaRPr lang="en-US" sz="2400">
-                <a:cs typeface="Calibri"/>
-              </a:endParaRPr>
-            </a:p>
-          </p:txBody>
-        </p:sp>
-        <p:sp>
-          <p:nvSpPr>
-            <p:cNvPr id="10" name="BlockDuration">
-              <a:extLst>
-                <a:ext uri="{FF2B5EF4-FFF2-40B4-BE49-F238E27FC236}">
-                  <a16:creationId xmlns:a16="http://schemas.microsoft.com/office/drawing/2014/main" id="{2B3F3B5C-4712-4F58-8B0F-22193766B863}"/>
-                </a:ext>
-              </a:extLst>
-            </p:cNvPr>
-            <p:cNvSpPr txBox="1"/>
-            <p:nvPr/>
-          </p:nvSpPr>
-          <p:spPr>
-            <a:xfrm>
-              <a:off x="3996005" y="0"/>
-              <a:ext cx="3772726" cy="461665"/>
-            </a:xfrm>
-            <a:prstGeom prst="rect">
-              <a:avLst/>
-            </a:prstGeom>
-            <a:noFill/>
-          </p:spPr>
-          <p:txBody>
-            <a:bodyPr rot="0" spcFirstLastPara="0" vertOverflow="overflow" horzOverflow="overflow" vert="horz" wrap="square" lIns="91440" tIns="45720" rIns="91440" bIns="45720" numCol="1" spcCol="0" rtlCol="0" fromWordArt="0" anchor="t" anchorCtr="0" forceAA="0" compatLnSpc="1">
-              <a:prstTxWarp prst="textNoShape">
-                <a:avLst/>
-              </a:prstTxWarp>
-              <a:spAutoFit/>
-            </a:bodyPr>
-            <a:lstStyle/>
-            <a:p>
-              <a:pPr algn="r"/>
-              <a:r>
-                <a:rPr lang="en-US" sz="2400" dirty="0">
-                  <a:ea typeface="+mn-lt"/>
-                  <a:cs typeface="+mn-lt"/>
-                </a:rPr>
-                <a:t>00:00</a:t>
-              </a:r>
-              <a:endParaRPr lang="en-US" dirty="0"/>
-            </a:p>
-          </p:txBody>
-        </p:sp>
-      </p:grpSp>
-      <p:grpSp>
-        <p:nvGrpSpPr>
-          <p:cNvPr id="2" name="ExerciseVVA"/>
-          <p:cNvGrpSpPr/>
-          <p:nvPr/>
-        </p:nvGrpSpPr>
-        <p:grpSpPr>
+          <a:prstGeom prst="rect">
+            <a:avLst/>
+          </a:prstGeom>
+        </p:spPr>
+      </p:pic>
+      <p:pic>
+        <p:nvPicPr>
+          <p:cNvPr id="6" name="63_AB_Dolly_Pike_to_a_Knee_Tuck-03020-08410-07727-00397">
+            <a:hlinkClick r:id="" action="ppaction://media"/>
+          </p:cNvPr>
+          <p:cNvPicPr>
+            <a:picLocks noChangeAspect="1"/>
+          </p:cNvPicPr>
+          <p:nvPr>
+            <a:videoFile r:link="rId1"/>
+            <p:extLst>
+              <p:ext uri="{DAA4B4D4-6D71-4841-9C94-3DE7FCFB9230}">
+                <p14:media xmlns:p14="http://schemas.microsoft.com/office/powerpoint/2010/main" r:embed="rId2">
+                  <p14:trim end="15000"/>
+                </p14:media>
+              </p:ext>
+            </p:extLst>
+          </p:nvPr>
+        </p:nvPicPr>
+        <p:blipFill>
+          <a:blip r:embed="rId4"/>
+          <a:stretch>
+            <a:fillRect/>
+          </a:stretch>
+        </p:blipFill>
+        <p:spPr>
           <a:xfrm>
-            <a:off x="2955267" y="941175"/>
-            <a:ext cx="1859697" cy="2690614"/>
-            <a:chOff x="2955267" y="941175"/>
-            <a:chExt cx="1859697" cy="2690614"/>
+            <a:off x="2200451" y="404609"/>
+            <a:ext cx="1861056" cy="1861056"/>
           </a:xfrm>
-        </p:grpSpPr>
-        <p:sp>
-          <p:nvSpPr>
-            <p:cNvPr id="14" name="ExerciseRec">
-              <a:extLst>
-                <a:ext uri="{FF2B5EF4-FFF2-40B4-BE49-F238E27FC236}">
-                  <a16:creationId xmlns:a16="http://schemas.microsoft.com/office/drawing/2014/main" id="{E4849660-1ECB-4DF1-9020-621A1B593C2F}"/>
-                </a:ext>
-              </a:extLst>
-            </p:cNvPr>
-            <p:cNvSpPr/>
-            <p:nvPr/>
-          </p:nvSpPr>
-          <p:spPr>
-            <a:xfrm>
-              <a:off x="2959450" y="941965"/>
-              <a:ext cx="1854678" cy="2689824"/>
-            </a:xfrm>
-            <a:prstGeom prst="rect">
-              <a:avLst/>
-            </a:prstGeom>
-            <a:solidFill>
-              <a:schemeClr val="bg1"/>
-            </a:solidFill>
-            <a:ln>
-              <a:noFill/>
-            </a:ln>
-          </p:spPr>
-          <p:style>
-            <a:lnRef idx="2">
-              <a:schemeClr val="accent1">
-                <a:shade val="50000"/>
-              </a:schemeClr>
-            </a:lnRef>
-            <a:fillRef idx="1">
-              <a:schemeClr val="accent1"/>
-            </a:fillRef>
-            <a:effectRef idx="0">
-              <a:schemeClr val="accent1"/>
-            </a:effectRef>
-            <a:fontRef idx="minor">
-              <a:schemeClr val="lt1"/>
-            </a:fontRef>
-          </p:style>
-          <p:txBody>
-            <a:bodyPr rtlCol="0" anchor="ctr"/>
-            <a:lstStyle/>
-            <a:p>
-              <a:pPr algn="ctr"/>
-              <a:endParaRPr lang="en-US"/>
-            </a:p>
-          </p:txBody>
-        </p:sp>
-        <p:sp>
-          <p:nvSpPr>
-            <p:cNvPr id="15" name="ExerciseName">
-              <a:extLst>
-                <a:ext uri="{FF2B5EF4-FFF2-40B4-BE49-F238E27FC236}">
-                  <a16:creationId xmlns:a16="http://schemas.microsoft.com/office/drawing/2014/main" id="{DCB65578-90BF-4A72-B76C-3AA7F2B5BC47}"/>
-                </a:ext>
-              </a:extLst>
-            </p:cNvPr>
-            <p:cNvSpPr txBox="1"/>
-            <p:nvPr/>
-          </p:nvSpPr>
-          <p:spPr>
-            <a:xfrm>
-              <a:off x="2957227" y="941175"/>
-              <a:ext cx="1857737" cy="369332"/>
-            </a:xfrm>
-            <a:prstGeom prst="rect">
-              <a:avLst/>
-            </a:prstGeom>
-            <a:noFill/>
-          </p:spPr>
-          <p:txBody>
-            <a:bodyPr rot="0" spcFirstLastPara="0" vertOverflow="overflow" horzOverflow="overflow" vert="horz" wrap="square" lIns="91440" tIns="45720" rIns="91440" bIns="45720" numCol="1" spcCol="0" rtlCol="0" fromWordArt="0" anchor="t" anchorCtr="0" forceAA="0" compatLnSpc="1">
-              <a:prstTxWarp prst="textNoShape">
-                <a:avLst/>
-              </a:prstTxWarp>
-              <a:spAutoFit/>
-            </a:bodyPr>
-            <a:lstStyle/>
-            <a:p>
-              <a:pPr algn="ctr"/>
-              <a:r>
-                <a:rPr lang="en-US" dirty="0">
-                  <a:ea typeface="+mn-lt"/>
-                  <a:cs typeface="+mn-lt"/>
-                </a:rPr>
-                <a:t>Exercise Name</a:t>
-              </a:r>
-              <a:endParaRPr lang="en-US" dirty="0"/>
-            </a:p>
-          </p:txBody>
-        </p:sp>
-        <p:sp>
-          <p:nvSpPr>
-            <p:cNvPr id="16" name="ExercisePrescription">
-              <a:extLst>
-                <a:ext uri="{FF2B5EF4-FFF2-40B4-BE49-F238E27FC236}">
-                  <a16:creationId xmlns:a16="http://schemas.microsoft.com/office/drawing/2014/main" id="{82570C7D-FA8B-47E2-B1F7-9F219F94AC2D}"/>
-                </a:ext>
-              </a:extLst>
-            </p:cNvPr>
-            <p:cNvSpPr txBox="1"/>
-            <p:nvPr/>
-          </p:nvSpPr>
-          <p:spPr>
-            <a:xfrm>
-              <a:off x="2955267" y="3258778"/>
-              <a:ext cx="1857737" cy="369332"/>
-            </a:xfrm>
-            <a:prstGeom prst="rect">
-              <a:avLst/>
-            </a:prstGeom>
-            <a:noFill/>
-          </p:spPr>
-          <p:txBody>
-            <a:bodyPr rot="0" spcFirstLastPara="0" vertOverflow="overflow" horzOverflow="overflow" vert="horz" wrap="square" lIns="91440" tIns="45720" rIns="91440" bIns="45720" numCol="1" spcCol="0" rtlCol="0" fromWordArt="0" anchor="t" anchorCtr="0" forceAA="0" compatLnSpc="1">
-              <a:prstTxWarp prst="textNoShape">
-                <a:avLst/>
-              </a:prstTxWarp>
-              <a:spAutoFit/>
-            </a:bodyPr>
-            <a:lstStyle/>
-            <a:p>
-              <a:pPr algn="ctr"/>
-              <a:r>
-                <a:rPr lang="en-US" i="1" dirty="0">
-                  <a:solidFill>
-                    <a:srgbClr val="ED7D31"/>
-                  </a:solidFill>
-                  <a:ea typeface="+mn-lt"/>
-                  <a:cs typeface="+mn-lt"/>
-                </a:rPr>
-                <a:t>300m JUST ONCE</a:t>
-              </a:r>
-              <a:endParaRPr lang="en-US" i="1">
-                <a:solidFill>
-                  <a:srgbClr val="ED7D31"/>
-                </a:solidFill>
-                <a:cs typeface="Calibri"/>
-              </a:endParaRPr>
-            </a:p>
-          </p:txBody>
-        </p:sp>
-      </p:grpSp>
+          <a:prstGeom prst="rect">
+            <a:avLst/>
+          </a:prstGeom>
+        </p:spPr>
+      </p:pic>
     </p:spTree>
     <p:extLst>
       <p:ext uri="{BB962C8B-B14F-4D97-AF65-F5344CB8AC3E}">
@@ -3866,6 +3586,123 @@
   <p:clrMapOvr>
     <a:masterClrMapping/>
   </p:clrMapOvr>
+  <mc:AlternateContent xmlns:mc="http://schemas.openxmlformats.org/markup-compatibility/2006">
+    <mc:Choice xmlns:p14="http://schemas.microsoft.com/office/powerpoint/2010/main" Requires="p14">
+      <p:transition spd="slow" p14:dur="2000" advClick="0"/>
+    </mc:Choice>
+    <mc:Fallback>
+      <p:transition spd="slow" advClick="0"/>
+    </mc:Fallback>
+  </mc:AlternateContent>
+  <p:timing>
+    <p:tnLst>
+      <p:par>
+        <p:cTn id="1" dur="indefinite" restart="never" nodeType="tmRoot">
+          <p:childTnLst>
+            <p:seq concurrent="1" nextAc="seek">
+              <p:cTn id="2" dur="indefinite" nodeType="mainSeq">
+                <p:childTnLst>
+                  <p:par>
+                    <p:cTn id="3" fill="hold">
+                      <p:stCondLst>
+                        <p:cond delay="indefinite"/>
+                        <p:cond evt="onBegin" delay="0">
+                          <p:tn val="2"/>
+                        </p:cond>
+                      </p:stCondLst>
+                      <p:childTnLst>
+                        <p:par>
+                          <p:cTn id="4" fill="hold">
+                            <p:stCondLst>
+                              <p:cond delay="0"/>
+                            </p:stCondLst>
+                            <p:childTnLst>
+                              <p:par>
+                                <p:cTn id="5" presetID="1" presetClass="mediacall" presetSubtype="0" fill="hold" nodeType="withEffect">
+                                  <p:stCondLst>
+                                    <p:cond delay="0"/>
+                                  </p:stCondLst>
+                                  <p:childTnLst>
+                                    <p:cmd type="call" cmd="playFrom(0.0)">
+                                      <p:cBhvr>
+                                        <p:cTn id="6" dur="3795" fill="hold"/>
+                                        <p:tgtEl>
+                                          <p:spTgt spid="2"/>
+                                        </p:tgtEl>
+                                      </p:cBhvr>
+                                    </p:cmd>
+                                  </p:childTnLst>
+                                </p:cTn>
+                              </p:par>
+                              <p:par>
+                                <p:cTn id="7" presetID="1" presetClass="mediacall" presetSubtype="0" fill="hold" nodeType="withEffect">
+                                  <p:stCondLst>
+                                    <p:cond delay="0"/>
+                                  </p:stCondLst>
+                                  <p:childTnLst>
+                                    <p:cmd type="call" cmd="playFrom(0.0)">
+                                      <p:cBhvr>
+                                        <p:cTn id="8" dur="3795" fill="hold"/>
+                                        <p:tgtEl>
+                                          <p:spTgt spid="6"/>
+                                        </p:tgtEl>
+                                      </p:cBhvr>
+                                    </p:cmd>
+                                  </p:childTnLst>
+                                </p:cTn>
+                              </p:par>
+                            </p:childTnLst>
+                          </p:cTn>
+                        </p:par>
+                      </p:childTnLst>
+                    </p:cTn>
+                  </p:par>
+                </p:childTnLst>
+              </p:cTn>
+              <p:prevCondLst>
+                <p:cond evt="onPrev" delay="0">
+                  <p:tgtEl>
+                    <p:sldTgt/>
+                  </p:tgtEl>
+                </p:cond>
+              </p:prevCondLst>
+              <p:nextCondLst>
+                <p:cond evt="onNext" delay="0">
+                  <p:tgtEl>
+                    <p:sldTgt/>
+                  </p:tgtEl>
+                </p:cond>
+              </p:nextCondLst>
+            </p:seq>
+            <p:video>
+              <p:cMediaNode vol="80000">
+                <p:cTn id="9" repeatCount="indefinite" fill="hold" display="0">
+                  <p:stCondLst>
+                    <p:cond delay="indefinite"/>
+                  </p:stCondLst>
+                </p:cTn>
+                <p:tgtEl>
+                  <p:spTgt spid="2"/>
+                </p:tgtEl>
+              </p:cMediaNode>
+            </p:video>
+            <p:video>
+              <p:cMediaNode vol="80000">
+                <p:cTn id="10" repeatCount="indefinite" fill="hold" display="0">
+                  <p:stCondLst>
+                    <p:cond delay="indefinite"/>
+                  </p:stCondLst>
+                </p:cTn>
+                <p:tgtEl>
+                  <p:spTgt spid="6"/>
+                </p:tgtEl>
+              </p:cMediaNode>
+            </p:video>
+          </p:childTnLst>
+        </p:cTn>
+      </p:par>
+    </p:tnLst>
+  </p:timing>
 </p:sld>
 </file>
 
